--- a/classes/prog2023/Prog3-Lecture02.pptx
+++ b/classes/prog2023/Prog3-Lecture02.pptx
@@ -20,18 +20,19 @@
     <p:sldId id="292" r:id="rId14"/>
     <p:sldId id="293" r:id="rId15"/>
     <p:sldId id="306" r:id="rId16"/>
-    <p:sldId id="305" r:id="rId17"/>
-    <p:sldId id="294" r:id="rId18"/>
-    <p:sldId id="296" r:id="rId19"/>
-    <p:sldId id="298" r:id="rId20"/>
-    <p:sldId id="295" r:id="rId21"/>
-    <p:sldId id="299" r:id="rId22"/>
-    <p:sldId id="300" r:id="rId23"/>
-    <p:sldId id="301" r:id="rId24"/>
-    <p:sldId id="302" r:id="rId25"/>
-    <p:sldId id="303" r:id="rId26"/>
-    <p:sldId id="304" r:id="rId27"/>
-    <p:sldId id="256" r:id="rId28"/>
+    <p:sldId id="307" r:id="rId17"/>
+    <p:sldId id="305" r:id="rId18"/>
+    <p:sldId id="294" r:id="rId19"/>
+    <p:sldId id="296" r:id="rId20"/>
+    <p:sldId id="298" r:id="rId21"/>
+    <p:sldId id="295" r:id="rId22"/>
+    <p:sldId id="299" r:id="rId23"/>
+    <p:sldId id="300" r:id="rId24"/>
+    <p:sldId id="301" r:id="rId25"/>
+    <p:sldId id="302" r:id="rId26"/>
+    <p:sldId id="303" r:id="rId27"/>
+    <p:sldId id="304" r:id="rId28"/>
+    <p:sldId id="256" r:id="rId29"/>
   </p:sldIdLst>
   <p:sldSz cx="12192000" cy="6858000"/>
   <p:notesSz cx="6858000" cy="9144000"/>
@@ -285,7 +286,7 @@
           <a:p>
             <a:fld id="{203031E0-4856-4DE4-BAFF-0FAAB821BF2D}" type="datetimeFigureOut">
               <a:rPr lang="en-US" smtClean="0"/>
-              <a:t>8/24/2022</a:t>
+              <a:t>8/23/2023</a:t>
             </a:fld>
             <a:endParaRPr lang="en-US"/>
           </a:p>
@@ -483,7 +484,7 @@
           <a:p>
             <a:fld id="{203031E0-4856-4DE4-BAFF-0FAAB821BF2D}" type="datetimeFigureOut">
               <a:rPr lang="en-US" smtClean="0"/>
-              <a:t>8/24/2022</a:t>
+              <a:t>8/23/2023</a:t>
             </a:fld>
             <a:endParaRPr lang="en-US"/>
           </a:p>
@@ -691,7 +692,7 @@
           <a:p>
             <a:fld id="{203031E0-4856-4DE4-BAFF-0FAAB821BF2D}" type="datetimeFigureOut">
               <a:rPr lang="en-US" smtClean="0"/>
-              <a:t>8/24/2022</a:t>
+              <a:t>8/23/2023</a:t>
             </a:fld>
             <a:endParaRPr lang="en-US"/>
           </a:p>
@@ -889,7 +890,7 @@
           <a:p>
             <a:fld id="{203031E0-4856-4DE4-BAFF-0FAAB821BF2D}" type="datetimeFigureOut">
               <a:rPr lang="en-US" smtClean="0"/>
-              <a:t>8/24/2022</a:t>
+              <a:t>8/23/2023</a:t>
             </a:fld>
             <a:endParaRPr lang="en-US"/>
           </a:p>
@@ -1164,7 +1165,7 @@
           <a:p>
             <a:fld id="{203031E0-4856-4DE4-BAFF-0FAAB821BF2D}" type="datetimeFigureOut">
               <a:rPr lang="en-US" smtClean="0"/>
-              <a:t>8/24/2022</a:t>
+              <a:t>8/23/2023</a:t>
             </a:fld>
             <a:endParaRPr lang="en-US"/>
           </a:p>
@@ -1429,7 +1430,7 @@
           <a:p>
             <a:fld id="{203031E0-4856-4DE4-BAFF-0FAAB821BF2D}" type="datetimeFigureOut">
               <a:rPr lang="en-US" smtClean="0"/>
-              <a:t>8/24/2022</a:t>
+              <a:t>8/23/2023</a:t>
             </a:fld>
             <a:endParaRPr lang="en-US"/>
           </a:p>
@@ -1841,7 +1842,7 @@
           <a:p>
             <a:fld id="{203031E0-4856-4DE4-BAFF-0FAAB821BF2D}" type="datetimeFigureOut">
               <a:rPr lang="en-US" smtClean="0"/>
-              <a:t>8/24/2022</a:t>
+              <a:t>8/23/2023</a:t>
             </a:fld>
             <a:endParaRPr lang="en-US"/>
           </a:p>
@@ -1982,7 +1983,7 @@
           <a:p>
             <a:fld id="{203031E0-4856-4DE4-BAFF-0FAAB821BF2D}" type="datetimeFigureOut">
               <a:rPr lang="en-US" smtClean="0"/>
-              <a:t>8/24/2022</a:t>
+              <a:t>8/23/2023</a:t>
             </a:fld>
             <a:endParaRPr lang="en-US"/>
           </a:p>
@@ -2095,7 +2096,7 @@
           <a:p>
             <a:fld id="{203031E0-4856-4DE4-BAFF-0FAAB821BF2D}" type="datetimeFigureOut">
               <a:rPr lang="en-US" smtClean="0"/>
-              <a:t>8/24/2022</a:t>
+              <a:t>8/23/2023</a:t>
             </a:fld>
             <a:endParaRPr lang="en-US"/>
           </a:p>
@@ -2406,7 +2407,7 @@
           <a:p>
             <a:fld id="{203031E0-4856-4DE4-BAFF-0FAAB821BF2D}" type="datetimeFigureOut">
               <a:rPr lang="en-US" smtClean="0"/>
-              <a:t>8/24/2022</a:t>
+              <a:t>8/23/2023</a:t>
             </a:fld>
             <a:endParaRPr lang="en-US"/>
           </a:p>
@@ -2694,7 +2695,7 @@
           <a:p>
             <a:fld id="{203031E0-4856-4DE4-BAFF-0FAAB821BF2D}" type="datetimeFigureOut">
               <a:rPr lang="en-US" smtClean="0"/>
-              <a:t>8/24/2022</a:t>
+              <a:t>8/23/2023</a:t>
             </a:fld>
             <a:endParaRPr lang="en-US"/>
           </a:p>
@@ -2935,7 +2936,7 @@
           <a:p>
             <a:fld id="{203031E0-4856-4DE4-BAFF-0FAAB821BF2D}" type="datetimeFigureOut">
               <a:rPr lang="en-US" smtClean="0"/>
-              <a:t>8/24/2022</a:t>
+              <a:t>8/23/2023</a:t>
             </a:fld>
             <a:endParaRPr lang="en-US"/>
           </a:p>
@@ -4706,7 +4707,7 @@
           <p:cNvPr id="4" name="TextBox 3">
             <a:extLst>
               <a:ext uri="{FF2B5EF4-FFF2-40B4-BE49-F238E27FC236}">
-                <a16:creationId xmlns:a16="http://schemas.microsoft.com/office/drawing/2014/main" id="{0E42A304-53A0-49F3-BBDB-C0C383FEE68B}"/>
+                <a16:creationId xmlns:a16="http://schemas.microsoft.com/office/drawing/2014/main" id="{F8FBB37C-0802-A894-C880-B489EA1B966C}"/>
               </a:ext>
             </a:extLst>
           </p:cNvPr>
@@ -4715,8 +4716,8 @@
         </p:nvSpPr>
         <p:spPr>
           <a:xfrm>
-            <a:off x="914400" y="541538"/>
-            <a:ext cx="7417480" cy="2308324"/>
+            <a:off x="802178" y="594360"/>
+            <a:ext cx="11149206" cy="369332"/>
           </a:xfrm>
           <a:prstGeom prst="rect">
             <a:avLst/>
@@ -4734,61 +4735,100 @@
                 <a:latin typeface="Arial" panose="020B0604020202020204" pitchFamily="34" charset="0"/>
                 <a:cs typeface="Arial" panose="020B0604020202020204" pitchFamily="34" charset="0"/>
               </a:rPr>
-              <a:t>After October 2020, the default branch will be “main” instead of master.</a:t>
-            </a:r>
-          </a:p>
-          <a:p>
+              <a:t>Sometimes, the easiest way to deal with permissions from </a:t>
+            </a:r>
+            <a:r>
+              <a:rPr lang="en-US" dirty="0" err="1">
+                <a:latin typeface="Arial" panose="020B0604020202020204" pitchFamily="34" charset="0"/>
+                <a:cs typeface="Arial" panose="020B0604020202020204" pitchFamily="34" charset="0"/>
+              </a:rPr>
+              <a:t>github</a:t>
+            </a:r>
             <a:r>
               <a:rPr lang="en-US" dirty="0">
                 <a:latin typeface="Arial" panose="020B0604020202020204" pitchFamily="34" charset="0"/>
                 <a:cs typeface="Arial" panose="020B0604020202020204" pitchFamily="34" charset="0"/>
               </a:rPr>
-              <a:t>So for new repositories, the command is</a:t>
-            </a:r>
-          </a:p>
-          <a:p>
-            <a:endParaRPr lang="en-US" dirty="0">
-              <a:latin typeface="Arial" panose="020B0604020202020204" pitchFamily="34" charset="0"/>
-              <a:cs typeface="Arial" panose="020B0604020202020204" pitchFamily="34" charset="0"/>
-            </a:endParaRPr>
-          </a:p>
-          <a:p>
+              <a:t> is to download </a:t>
+            </a:r>
+            <a:r>
+              <a:rPr lang="en-US" dirty="0" err="1">
+                <a:latin typeface="Arial" panose="020B0604020202020204" pitchFamily="34" charset="0"/>
+                <a:cs typeface="Arial" panose="020B0604020202020204" pitchFamily="34" charset="0"/>
+              </a:rPr>
+              <a:t>GitHUB</a:t>
+            </a:r>
             <a:r>
               <a:rPr lang="en-US" dirty="0">
                 <a:latin typeface="Arial" panose="020B0604020202020204" pitchFamily="34" charset="0"/>
                 <a:cs typeface="Arial" panose="020B0604020202020204" pitchFamily="34" charset="0"/>
               </a:rPr>
-              <a:t>git push origin main</a:t>
-            </a:r>
-          </a:p>
-          <a:p>
-            <a:endParaRPr lang="en-US" dirty="0">
-              <a:latin typeface="Arial" panose="020B0604020202020204" pitchFamily="34" charset="0"/>
-              <a:cs typeface="Arial" panose="020B0604020202020204" pitchFamily="34" charset="0"/>
-            </a:endParaRPr>
-          </a:p>
-          <a:p>
-            <a:r>
-              <a:rPr lang="en-US" dirty="0">
-                <a:latin typeface="Arial" panose="020B0604020202020204" pitchFamily="34" charset="0"/>
-                <a:cs typeface="Arial" panose="020B0604020202020204" pitchFamily="34" charset="0"/>
-              </a:rPr>
-              <a:t>For older repositories:</a:t>
-            </a:r>
-          </a:p>
-          <a:p>
-            <a:endParaRPr lang="en-US" dirty="0">
-              <a:latin typeface="Arial" panose="020B0604020202020204" pitchFamily="34" charset="0"/>
-              <a:cs typeface="Arial" panose="020B0604020202020204" pitchFamily="34" charset="0"/>
-            </a:endParaRPr>
-          </a:p>
-          <a:p>
-            <a:r>
-              <a:rPr lang="en-US" dirty="0">
-                <a:latin typeface="Arial" panose="020B0604020202020204" pitchFamily="34" charset="0"/>
-                <a:cs typeface="Arial" panose="020B0604020202020204" pitchFamily="34" charset="0"/>
-              </a:rPr>
-              <a:t>git push origin master</a:t>
+              <a:t> credential manager</a:t>
+            </a:r>
+          </a:p>
+        </p:txBody>
+      </p:sp>
+      <p:pic>
+        <p:nvPicPr>
+          <p:cNvPr id="6" name="Picture 5">
+            <a:extLst>
+              <a:ext uri="{FF2B5EF4-FFF2-40B4-BE49-F238E27FC236}">
+                <a16:creationId xmlns:a16="http://schemas.microsoft.com/office/drawing/2014/main" id="{371FFA93-5E6B-F112-45DF-581CFF6224F9}"/>
+              </a:ext>
+            </a:extLst>
+          </p:cNvPr>
+          <p:cNvPicPr>
+            <a:picLocks noChangeAspect="1"/>
+          </p:cNvPicPr>
+          <p:nvPr/>
+        </p:nvPicPr>
+        <p:blipFill>
+          <a:blip r:embed="rId2"/>
+          <a:stretch>
+            <a:fillRect/>
+          </a:stretch>
+        </p:blipFill>
+        <p:spPr>
+          <a:xfrm>
+            <a:off x="1245504" y="1171297"/>
+            <a:ext cx="6384022" cy="4828977"/>
+          </a:xfrm>
+          <a:prstGeom prst="rect">
+            <a:avLst/>
+          </a:prstGeom>
+        </p:spPr>
+      </p:pic>
+      <p:sp>
+        <p:nvSpPr>
+          <p:cNvPr id="8" name="TextBox 7">
+            <a:extLst>
+              <a:ext uri="{FF2B5EF4-FFF2-40B4-BE49-F238E27FC236}">
+                <a16:creationId xmlns:a16="http://schemas.microsoft.com/office/drawing/2014/main" id="{97C9DB57-EAC3-EFBF-20DE-666EFC6CA2B7}"/>
+              </a:ext>
+            </a:extLst>
+          </p:cNvPr>
+          <p:cNvSpPr txBox="1"/>
+          <p:nvPr/>
+        </p:nvSpPr>
+        <p:spPr>
+          <a:xfrm>
+            <a:off x="870065" y="6152448"/>
+            <a:ext cx="10451869" cy="369332"/>
+          </a:xfrm>
+          <a:prstGeom prst="rect">
+            <a:avLst/>
+          </a:prstGeom>
+          <a:noFill/>
+        </p:spPr>
+        <p:txBody>
+          <a:bodyPr wrap="square">
+            <a:spAutoFit/>
+          </a:bodyPr>
+          <a:lstStyle/>
+          <a:p>
+            <a:r>
+              <a:rPr lang="en-US" dirty="0"/>
+              <a:t>https://docs.github.com/en/get-started/getting-started-with-git/caching-your-github-credentials-in-git</a:t>
             </a:r>
           </a:p>
         </p:txBody>
@@ -4796,7 +4836,7 @@
     </p:spTree>
     <p:extLst>
       <p:ext uri="{BB962C8B-B14F-4D97-AF65-F5344CB8AC3E}">
-        <p14:creationId xmlns:p14="http://schemas.microsoft.com/office/powerpoint/2010/main" val="1461651643"/>
+        <p14:creationId xmlns:p14="http://schemas.microsoft.com/office/powerpoint/2010/main" val="824207093"/>
       </p:ext>
     </p:extLst>
   </p:cSld>
@@ -4823,42 +4863,12 @@
           <a:chExt cx="0" cy="0"/>
         </a:xfrm>
       </p:grpSpPr>
-      <p:pic>
-        <p:nvPicPr>
-          <p:cNvPr id="4" name="Picture 3">
-            <a:extLst>
-              <a:ext uri="{FF2B5EF4-FFF2-40B4-BE49-F238E27FC236}">
-                <a16:creationId xmlns:a16="http://schemas.microsoft.com/office/drawing/2014/main" id="{577BC04F-FADA-4501-B14C-2EE4D053CD32}"/>
-              </a:ext>
-            </a:extLst>
-          </p:cNvPr>
-          <p:cNvPicPr>
-            <a:picLocks noChangeAspect="1"/>
-          </p:cNvPicPr>
-          <p:nvPr/>
-        </p:nvPicPr>
-        <p:blipFill>
-          <a:blip r:embed="rId2"/>
-          <a:stretch>
-            <a:fillRect/>
-          </a:stretch>
-        </p:blipFill>
-        <p:spPr>
-          <a:xfrm>
-            <a:off x="782799" y="993124"/>
-            <a:ext cx="8971914" cy="5680180"/>
-          </a:xfrm>
-          <a:prstGeom prst="rect">
-            <a:avLst/>
-          </a:prstGeom>
-        </p:spPr>
-      </p:pic>
-      <p:sp>
-        <p:nvSpPr>
-          <p:cNvPr id="6" name="TextBox 5">
-            <a:extLst>
-              <a:ext uri="{FF2B5EF4-FFF2-40B4-BE49-F238E27FC236}">
-                <a16:creationId xmlns:a16="http://schemas.microsoft.com/office/drawing/2014/main" id="{E979077B-5471-40BA-927F-3136AFB3035E}"/>
+      <p:sp>
+        <p:nvSpPr>
+          <p:cNvPr id="4" name="TextBox 3">
+            <a:extLst>
+              <a:ext uri="{FF2B5EF4-FFF2-40B4-BE49-F238E27FC236}">
+                <a16:creationId xmlns:a16="http://schemas.microsoft.com/office/drawing/2014/main" id="{0E42A304-53A0-49F3-BBDB-C0C383FEE68B}"/>
               </a:ext>
             </a:extLst>
           </p:cNvPr>
@@ -4867,8 +4877,8 @@
         </p:nvSpPr>
         <p:spPr>
           <a:xfrm>
-            <a:off x="968898" y="339115"/>
-            <a:ext cx="10456709" cy="369332"/>
+            <a:off x="914400" y="541538"/>
+            <a:ext cx="7417480" cy="2308324"/>
           </a:xfrm>
           <a:prstGeom prst="rect">
             <a:avLst/>
@@ -4886,21 +4896,61 @@
                 <a:latin typeface="Arial" panose="020B0604020202020204" pitchFamily="34" charset="0"/>
                 <a:cs typeface="Arial" panose="020B0604020202020204" pitchFamily="34" charset="0"/>
               </a:rPr>
-              <a:t>Our changes are now visible at </a:t>
-            </a:r>
-            <a:r>
-              <a:rPr lang="en-US" dirty="0" err="1">
-                <a:latin typeface="Arial" panose="020B0604020202020204" pitchFamily="34" charset="0"/>
-                <a:cs typeface="Arial" panose="020B0604020202020204" pitchFamily="34" charset="0"/>
-              </a:rPr>
-              <a:t>github</a:t>
-            </a:r>
+              <a:t>After October 2020, the default branch will be “main” instead of master.</a:t>
+            </a:r>
+          </a:p>
+          <a:p>
             <a:r>
               <a:rPr lang="en-US" dirty="0">
                 <a:latin typeface="Arial" panose="020B0604020202020204" pitchFamily="34" charset="0"/>
                 <a:cs typeface="Arial" panose="020B0604020202020204" pitchFamily="34" charset="0"/>
               </a:rPr>
-              <a:t> (where the world can see them since this is a public repository)</a:t>
+              <a:t>So for new repositories, the command is</a:t>
+            </a:r>
+          </a:p>
+          <a:p>
+            <a:endParaRPr lang="en-US" dirty="0">
+              <a:latin typeface="Arial" panose="020B0604020202020204" pitchFamily="34" charset="0"/>
+              <a:cs typeface="Arial" panose="020B0604020202020204" pitchFamily="34" charset="0"/>
+            </a:endParaRPr>
+          </a:p>
+          <a:p>
+            <a:r>
+              <a:rPr lang="en-US" dirty="0">
+                <a:latin typeface="Arial" panose="020B0604020202020204" pitchFamily="34" charset="0"/>
+                <a:cs typeface="Arial" panose="020B0604020202020204" pitchFamily="34" charset="0"/>
+              </a:rPr>
+              <a:t>git push origin main</a:t>
+            </a:r>
+          </a:p>
+          <a:p>
+            <a:endParaRPr lang="en-US" dirty="0">
+              <a:latin typeface="Arial" panose="020B0604020202020204" pitchFamily="34" charset="0"/>
+              <a:cs typeface="Arial" panose="020B0604020202020204" pitchFamily="34" charset="0"/>
+            </a:endParaRPr>
+          </a:p>
+          <a:p>
+            <a:r>
+              <a:rPr lang="en-US" dirty="0">
+                <a:latin typeface="Arial" panose="020B0604020202020204" pitchFamily="34" charset="0"/>
+                <a:cs typeface="Arial" panose="020B0604020202020204" pitchFamily="34" charset="0"/>
+              </a:rPr>
+              <a:t>For older repositories:</a:t>
+            </a:r>
+          </a:p>
+          <a:p>
+            <a:endParaRPr lang="en-US" dirty="0">
+              <a:latin typeface="Arial" panose="020B0604020202020204" pitchFamily="34" charset="0"/>
+              <a:cs typeface="Arial" panose="020B0604020202020204" pitchFamily="34" charset="0"/>
+            </a:endParaRPr>
+          </a:p>
+          <a:p>
+            <a:r>
+              <a:rPr lang="en-US" dirty="0">
+                <a:latin typeface="Arial" panose="020B0604020202020204" pitchFamily="34" charset="0"/>
+                <a:cs typeface="Arial" panose="020B0604020202020204" pitchFamily="34" charset="0"/>
+              </a:rPr>
+              <a:t>git push origin master</a:t>
             </a:r>
           </a:p>
         </p:txBody>
@@ -4908,7 +4958,7 @@
     </p:spTree>
     <p:extLst>
       <p:ext uri="{BB962C8B-B14F-4D97-AF65-F5344CB8AC3E}">
-        <p14:creationId xmlns:p14="http://schemas.microsoft.com/office/powerpoint/2010/main" val="3251464963"/>
+        <p14:creationId xmlns:p14="http://schemas.microsoft.com/office/powerpoint/2010/main" val="1461651643"/>
       </p:ext>
     </p:extLst>
   </p:cSld>
@@ -4935,53 +4985,12 @@
           <a:chExt cx="0" cy="0"/>
         </a:xfrm>
       </p:grpSpPr>
-      <p:sp>
-        <p:nvSpPr>
-          <p:cNvPr id="4" name="TextBox 3">
-            <a:extLst>
-              <a:ext uri="{FF2B5EF4-FFF2-40B4-BE49-F238E27FC236}">
-                <a16:creationId xmlns:a16="http://schemas.microsoft.com/office/drawing/2014/main" id="{7ACEA824-4275-423E-B29E-68999C559143}"/>
-              </a:ext>
-            </a:extLst>
-          </p:cNvPr>
-          <p:cNvSpPr txBox="1"/>
-          <p:nvPr/>
-        </p:nvSpPr>
-        <p:spPr>
-          <a:xfrm>
-            <a:off x="508673" y="90835"/>
-            <a:ext cx="10912731" cy="646331"/>
-          </a:xfrm>
-          <a:prstGeom prst="rect">
-            <a:avLst/>
-          </a:prstGeom>
-          <a:noFill/>
-        </p:spPr>
-        <p:txBody>
-          <a:bodyPr wrap="none" rtlCol="0">
-            <a:spAutoFit/>
-          </a:bodyPr>
-          <a:lstStyle/>
-          <a:p>
-            <a:r>
-              <a:rPr lang="en-US" dirty="0"/>
-              <a:t>git log will give us a history of our commits and git diff allows us to compare the current checkout commit with any</a:t>
-            </a:r>
-          </a:p>
-          <a:p>
-            <a:r>
-              <a:rPr lang="en-US" dirty="0"/>
-              <a:t>other commit…</a:t>
-            </a:r>
-          </a:p>
-        </p:txBody>
-      </p:sp>
       <p:pic>
         <p:nvPicPr>
-          <p:cNvPr id="5" name="Picture 4">
-            <a:extLst>
-              <a:ext uri="{FF2B5EF4-FFF2-40B4-BE49-F238E27FC236}">
-                <a16:creationId xmlns:a16="http://schemas.microsoft.com/office/drawing/2014/main" id="{0CB0D549-C2D3-4F69-AEC5-F2BD6E428BA9}"/>
+          <p:cNvPr id="4" name="Picture 3">
+            <a:extLst>
+              <a:ext uri="{FF2B5EF4-FFF2-40B4-BE49-F238E27FC236}">
+                <a16:creationId xmlns:a16="http://schemas.microsoft.com/office/drawing/2014/main" id="{577BC04F-FADA-4501-B14C-2EE4D053CD32}"/>
               </a:ext>
             </a:extLst>
           </p:cNvPr>
@@ -4998,48 +5007,70 @@
         </p:blipFill>
         <p:spPr>
           <a:xfrm>
-            <a:off x="714563" y="718998"/>
-            <a:ext cx="8947396" cy="3415603"/>
+            <a:off x="782799" y="993124"/>
+            <a:ext cx="8971914" cy="5680180"/>
           </a:xfrm>
           <a:prstGeom prst="rect">
             <a:avLst/>
           </a:prstGeom>
         </p:spPr>
       </p:pic>
-      <p:pic>
-        <p:nvPicPr>
-          <p:cNvPr id="6" name="Picture 5">
-            <a:extLst>
-              <a:ext uri="{FF2B5EF4-FFF2-40B4-BE49-F238E27FC236}">
-                <a16:creationId xmlns:a16="http://schemas.microsoft.com/office/drawing/2014/main" id="{AB2F2C3B-E07E-477A-BD0F-F29D4157F67E}"/>
-              </a:ext>
-            </a:extLst>
-          </p:cNvPr>
-          <p:cNvPicPr>
-            <a:picLocks noChangeAspect="1"/>
-          </p:cNvPicPr>
-          <p:nvPr/>
-        </p:nvPicPr>
-        <p:blipFill>
-          <a:blip r:embed="rId3"/>
-          <a:stretch>
-            <a:fillRect/>
-          </a:stretch>
-        </p:blipFill>
-        <p:spPr>
-          <a:xfrm>
-            <a:off x="1943857" y="4158825"/>
-            <a:ext cx="7811952" cy="2667258"/>
-          </a:xfrm>
-          <a:prstGeom prst="rect">
-            <a:avLst/>
-          </a:prstGeom>
-        </p:spPr>
-      </p:pic>
+      <p:sp>
+        <p:nvSpPr>
+          <p:cNvPr id="6" name="TextBox 5">
+            <a:extLst>
+              <a:ext uri="{FF2B5EF4-FFF2-40B4-BE49-F238E27FC236}">
+                <a16:creationId xmlns:a16="http://schemas.microsoft.com/office/drawing/2014/main" id="{E979077B-5471-40BA-927F-3136AFB3035E}"/>
+              </a:ext>
+            </a:extLst>
+          </p:cNvPr>
+          <p:cNvSpPr txBox="1"/>
+          <p:nvPr/>
+        </p:nvSpPr>
+        <p:spPr>
+          <a:xfrm>
+            <a:off x="968898" y="339115"/>
+            <a:ext cx="10456709" cy="369332"/>
+          </a:xfrm>
+          <a:prstGeom prst="rect">
+            <a:avLst/>
+          </a:prstGeom>
+          <a:noFill/>
+        </p:spPr>
+        <p:txBody>
+          <a:bodyPr wrap="none" rtlCol="0">
+            <a:spAutoFit/>
+          </a:bodyPr>
+          <a:lstStyle/>
+          <a:p>
+            <a:r>
+              <a:rPr lang="en-US" dirty="0">
+                <a:latin typeface="Arial" panose="020B0604020202020204" pitchFamily="34" charset="0"/>
+                <a:cs typeface="Arial" panose="020B0604020202020204" pitchFamily="34" charset="0"/>
+              </a:rPr>
+              <a:t>Our changes are now visible at </a:t>
+            </a:r>
+            <a:r>
+              <a:rPr lang="en-US" dirty="0" err="1">
+                <a:latin typeface="Arial" panose="020B0604020202020204" pitchFamily="34" charset="0"/>
+                <a:cs typeface="Arial" panose="020B0604020202020204" pitchFamily="34" charset="0"/>
+              </a:rPr>
+              <a:t>github</a:t>
+            </a:r>
+            <a:r>
+              <a:rPr lang="en-US" dirty="0">
+                <a:latin typeface="Arial" panose="020B0604020202020204" pitchFamily="34" charset="0"/>
+                <a:cs typeface="Arial" panose="020B0604020202020204" pitchFamily="34" charset="0"/>
+              </a:rPr>
+              <a:t> (where the world can see them since this is a public repository)</a:t>
+            </a:r>
+          </a:p>
+        </p:txBody>
+      </p:sp>
     </p:spTree>
     <p:extLst>
       <p:ext uri="{BB962C8B-B14F-4D97-AF65-F5344CB8AC3E}">
-        <p14:creationId xmlns:p14="http://schemas.microsoft.com/office/powerpoint/2010/main" val="2131626001"/>
+        <p14:creationId xmlns:p14="http://schemas.microsoft.com/office/powerpoint/2010/main" val="3251464963"/>
       </p:ext>
     </p:extLst>
   </p:cSld>
@@ -5066,77 +5097,111 @@
           <a:chExt cx="0" cy="0"/>
         </a:xfrm>
       </p:grpSpPr>
+      <p:sp>
+        <p:nvSpPr>
+          <p:cNvPr id="4" name="TextBox 3">
+            <a:extLst>
+              <a:ext uri="{FF2B5EF4-FFF2-40B4-BE49-F238E27FC236}">
+                <a16:creationId xmlns:a16="http://schemas.microsoft.com/office/drawing/2014/main" id="{7ACEA824-4275-423E-B29E-68999C559143}"/>
+              </a:ext>
+            </a:extLst>
+          </p:cNvPr>
+          <p:cNvSpPr txBox="1"/>
+          <p:nvPr/>
+        </p:nvSpPr>
+        <p:spPr>
+          <a:xfrm>
+            <a:off x="508673" y="90835"/>
+            <a:ext cx="10912731" cy="646331"/>
+          </a:xfrm>
+          <a:prstGeom prst="rect">
+            <a:avLst/>
+          </a:prstGeom>
+          <a:noFill/>
+        </p:spPr>
+        <p:txBody>
+          <a:bodyPr wrap="none" rtlCol="0">
+            <a:spAutoFit/>
+          </a:bodyPr>
+          <a:lstStyle/>
+          <a:p>
+            <a:r>
+              <a:rPr lang="en-US" dirty="0"/>
+              <a:t>git log will give us a history of our commits and git diff allows us to compare the current checkout commit with any</a:t>
+            </a:r>
+          </a:p>
+          <a:p>
+            <a:r>
+              <a:rPr lang="en-US" dirty="0"/>
+              <a:t>other commit…</a:t>
+            </a:r>
+          </a:p>
+        </p:txBody>
+      </p:sp>
       <p:pic>
         <p:nvPicPr>
-          <p:cNvPr id="16386" name="Picture 2"/>
+          <p:cNvPr id="5" name="Picture 4">
+            <a:extLst>
+              <a:ext uri="{FF2B5EF4-FFF2-40B4-BE49-F238E27FC236}">
+                <a16:creationId xmlns:a16="http://schemas.microsoft.com/office/drawing/2014/main" id="{0CB0D549-C2D3-4F69-AEC5-F2BD6E428BA9}"/>
+              </a:ext>
+            </a:extLst>
+          </p:cNvPr>
           <p:cNvPicPr>
-            <a:picLocks noChangeAspect="1" noChangeArrowheads="1"/>
+            <a:picLocks noChangeAspect="1"/>
           </p:cNvPicPr>
           <p:nvPr/>
         </p:nvPicPr>
         <p:blipFill>
-          <a:blip r:embed="rId2" cstate="print"/>
-          <a:srcRect/>
+          <a:blip r:embed="rId2"/>
           <a:stretch>
             <a:fillRect/>
           </a:stretch>
         </p:blipFill>
-        <p:spPr bwMode="auto">
-          <a:xfrm>
-            <a:off x="1851509" y="1849931"/>
-            <a:ext cx="7924800" cy="2419350"/>
-          </a:xfrm>
-          <a:prstGeom prst="rect">
-            <a:avLst/>
-          </a:prstGeom>
-          <a:noFill/>
-          <a:ln w="9525">
-            <a:noFill/>
-            <a:miter lim="800000"/>
-            <a:headEnd/>
-            <a:tailEnd/>
-          </a:ln>
+        <p:spPr>
+          <a:xfrm>
+            <a:off x="714563" y="718998"/>
+            <a:ext cx="8947396" cy="3415603"/>
+          </a:xfrm>
+          <a:prstGeom prst="rect">
+            <a:avLst/>
+          </a:prstGeom>
         </p:spPr>
       </p:pic>
-      <p:sp>
-        <p:nvSpPr>
-          <p:cNvPr id="5" name="TextBox 4"/>
-          <p:cNvSpPr txBox="1"/>
-          <p:nvPr/>
-        </p:nvSpPr>
-        <p:spPr>
-          <a:xfrm>
-            <a:off x="1695071" y="631299"/>
-            <a:ext cx="8222187" cy="646331"/>
-          </a:xfrm>
-          <a:prstGeom prst="rect">
-            <a:avLst/>
-          </a:prstGeom>
-          <a:noFill/>
-        </p:spPr>
-        <p:txBody>
-          <a:bodyPr wrap="none" rtlCol="0">
-            <a:spAutoFit/>
-          </a:bodyPr>
-          <a:lstStyle/>
-          <a:p>
-            <a:r>
-              <a:rPr lang="en-US" dirty="0"/>
-              <a:t>Eclipse (which we will work on installing next week) will give us much prettier </a:t>
-            </a:r>
-          </a:p>
-          <a:p>
-            <a:r>
-              <a:rPr lang="en-US" dirty="0"/>
-              <a:t>results from git diff than the command line git diff (but we will get there next week…)</a:t>
-            </a:r>
-          </a:p>
-        </p:txBody>
-      </p:sp>
+      <p:pic>
+        <p:nvPicPr>
+          <p:cNvPr id="6" name="Picture 5">
+            <a:extLst>
+              <a:ext uri="{FF2B5EF4-FFF2-40B4-BE49-F238E27FC236}">
+                <a16:creationId xmlns:a16="http://schemas.microsoft.com/office/drawing/2014/main" id="{AB2F2C3B-E07E-477A-BD0F-F29D4157F67E}"/>
+              </a:ext>
+            </a:extLst>
+          </p:cNvPr>
+          <p:cNvPicPr>
+            <a:picLocks noChangeAspect="1"/>
+          </p:cNvPicPr>
+          <p:nvPr/>
+        </p:nvPicPr>
+        <p:blipFill>
+          <a:blip r:embed="rId3"/>
+          <a:stretch>
+            <a:fillRect/>
+          </a:stretch>
+        </p:blipFill>
+        <p:spPr>
+          <a:xfrm>
+            <a:off x="1943857" y="4158825"/>
+            <a:ext cx="7811952" cy="2667258"/>
+          </a:xfrm>
+          <a:prstGeom prst="rect">
+            <a:avLst/>
+          </a:prstGeom>
+        </p:spPr>
+      </p:pic>
     </p:spTree>
     <p:extLst>
       <p:ext uri="{BB962C8B-B14F-4D97-AF65-F5344CB8AC3E}">
-        <p14:creationId xmlns:p14="http://schemas.microsoft.com/office/powerpoint/2010/main" val="4079138149"/>
+        <p14:creationId xmlns:p14="http://schemas.microsoft.com/office/powerpoint/2010/main" val="2131626001"/>
       </p:ext>
     </p:extLst>
   </p:cSld>
@@ -5302,6 +5367,103 @@
       </p:grpSpPr>
       <p:pic>
         <p:nvPicPr>
+          <p:cNvPr id="16386" name="Picture 2"/>
+          <p:cNvPicPr>
+            <a:picLocks noChangeAspect="1" noChangeArrowheads="1"/>
+          </p:cNvPicPr>
+          <p:nvPr/>
+        </p:nvPicPr>
+        <p:blipFill>
+          <a:blip r:embed="rId2" cstate="print"/>
+          <a:srcRect/>
+          <a:stretch>
+            <a:fillRect/>
+          </a:stretch>
+        </p:blipFill>
+        <p:spPr bwMode="auto">
+          <a:xfrm>
+            <a:off x="1851509" y="1849931"/>
+            <a:ext cx="7924800" cy="2419350"/>
+          </a:xfrm>
+          <a:prstGeom prst="rect">
+            <a:avLst/>
+          </a:prstGeom>
+          <a:noFill/>
+          <a:ln w="9525">
+            <a:noFill/>
+            <a:miter lim="800000"/>
+            <a:headEnd/>
+            <a:tailEnd/>
+          </a:ln>
+        </p:spPr>
+      </p:pic>
+      <p:sp>
+        <p:nvSpPr>
+          <p:cNvPr id="5" name="TextBox 4"/>
+          <p:cNvSpPr txBox="1"/>
+          <p:nvPr/>
+        </p:nvSpPr>
+        <p:spPr>
+          <a:xfrm>
+            <a:off x="1695071" y="631299"/>
+            <a:ext cx="8222187" cy="646331"/>
+          </a:xfrm>
+          <a:prstGeom prst="rect">
+            <a:avLst/>
+          </a:prstGeom>
+          <a:noFill/>
+        </p:spPr>
+        <p:txBody>
+          <a:bodyPr wrap="none" rtlCol="0">
+            <a:spAutoFit/>
+          </a:bodyPr>
+          <a:lstStyle/>
+          <a:p>
+            <a:r>
+              <a:rPr lang="en-US" dirty="0"/>
+              <a:t>Eclipse (which we will work on installing next week) will give us much prettier </a:t>
+            </a:r>
+          </a:p>
+          <a:p>
+            <a:r>
+              <a:rPr lang="en-US" dirty="0"/>
+              <a:t>results from git diff than the command line git diff (but we will get there next week…)</a:t>
+            </a:r>
+          </a:p>
+        </p:txBody>
+      </p:sp>
+    </p:spTree>
+    <p:extLst>
+      <p:ext uri="{BB962C8B-B14F-4D97-AF65-F5344CB8AC3E}">
+        <p14:creationId xmlns:p14="http://schemas.microsoft.com/office/powerpoint/2010/main" val="4079138149"/>
+      </p:ext>
+    </p:extLst>
+  </p:cSld>
+  <p:clrMapOvr>
+    <a:masterClrMapping/>
+  </p:clrMapOvr>
+</p:sld>
+</file>
+
+<file path=ppt/slides/slide21.xml><?xml version="1.0" encoding="utf-8"?>
+<p:sld xmlns:a="http://schemas.openxmlformats.org/drawingml/2006/main" xmlns:r="http://schemas.openxmlformats.org/officeDocument/2006/relationships" xmlns:p="http://schemas.openxmlformats.org/presentationml/2006/main">
+  <p:cSld>
+    <p:spTree>
+      <p:nvGrpSpPr>
+        <p:cNvPr id="1" name=""/>
+        <p:cNvGrpSpPr/>
+        <p:nvPr/>
+      </p:nvGrpSpPr>
+      <p:grpSpPr>
+        <a:xfrm>
+          <a:off x="0" y="0"/>
+          <a:ext cx="0" cy="0"/>
+          <a:chOff x="0" y="0"/>
+          <a:chExt cx="0" cy="0"/>
+        </a:xfrm>
+      </p:grpSpPr>
+      <p:pic>
+        <p:nvPicPr>
           <p:cNvPr id="6" name="Picture 5">
             <a:extLst>
               <a:ext uri="{FF2B5EF4-FFF2-40B4-BE49-F238E27FC236}">
@@ -5464,376 +5626,6 @@
 </p:sld>
 </file>
 
-<file path=ppt/slides/slide21.xml><?xml version="1.0" encoding="utf-8"?>
-<p:sld xmlns:a="http://schemas.openxmlformats.org/drawingml/2006/main" xmlns:r="http://schemas.openxmlformats.org/officeDocument/2006/relationships" xmlns:p="http://schemas.openxmlformats.org/presentationml/2006/main">
-  <p:cSld>
-    <p:spTree>
-      <p:nvGrpSpPr>
-        <p:cNvPr id="1" name=""/>
-        <p:cNvGrpSpPr/>
-        <p:nvPr/>
-      </p:nvGrpSpPr>
-      <p:grpSpPr>
-        <a:xfrm>
-          <a:off x="0" y="0"/>
-          <a:ext cx="0" cy="0"/>
-          <a:chOff x="0" y="0"/>
-          <a:chExt cx="0" cy="0"/>
-        </a:xfrm>
-      </p:grpSpPr>
-      <p:sp>
-        <p:nvSpPr>
-          <p:cNvPr id="4" name="TextBox 3">
-            <a:extLst>
-              <a:ext uri="{FF2B5EF4-FFF2-40B4-BE49-F238E27FC236}">
-                <a16:creationId xmlns:a16="http://schemas.microsoft.com/office/drawing/2014/main" id="{484943F7-FED5-4CE6-A19D-3CF6777ABCCD}"/>
-              </a:ext>
-            </a:extLst>
-          </p:cNvPr>
-          <p:cNvSpPr txBox="1"/>
-          <p:nvPr/>
-        </p:nvSpPr>
-        <p:spPr>
-          <a:xfrm>
-            <a:off x="908342" y="-66613"/>
-            <a:ext cx="10754800" cy="646331"/>
-          </a:xfrm>
-          <a:prstGeom prst="rect">
-            <a:avLst/>
-          </a:prstGeom>
-          <a:noFill/>
-        </p:spPr>
-        <p:txBody>
-          <a:bodyPr wrap="square" rtlCol="0">
-            <a:spAutoFit/>
-          </a:bodyPr>
-          <a:lstStyle/>
-          <a:p>
-            <a:r>
-              <a:rPr lang="en-US" dirty="0">
-                <a:latin typeface="Arial" panose="020B0604020202020204" pitchFamily="34" charset="0"/>
-                <a:cs typeface="Arial" panose="020B0604020202020204" pitchFamily="34" charset="0"/>
-              </a:rPr>
-              <a:t>Now if we try and make a local change and commit it to </a:t>
-            </a:r>
-            <a:r>
-              <a:rPr lang="en-US" dirty="0" err="1">
-                <a:latin typeface="Arial" panose="020B0604020202020204" pitchFamily="34" charset="0"/>
-                <a:cs typeface="Arial" panose="020B0604020202020204" pitchFamily="34" charset="0"/>
-              </a:rPr>
-              <a:t>github</a:t>
-            </a:r>
-            <a:r>
-              <a:rPr lang="en-US" dirty="0">
-                <a:latin typeface="Arial" panose="020B0604020202020204" pitchFamily="34" charset="0"/>
-                <a:cs typeface="Arial" panose="020B0604020202020204" pitchFamily="34" charset="0"/>
-              </a:rPr>
-              <a:t> we will have a conflict, </a:t>
-            </a:r>
-          </a:p>
-          <a:p>
-            <a:r>
-              <a:rPr lang="en-US" dirty="0">
-                <a:latin typeface="Arial" panose="020B0604020202020204" pitchFamily="34" charset="0"/>
-                <a:cs typeface="Arial" panose="020B0604020202020204" pitchFamily="34" charset="0"/>
-              </a:rPr>
-              <a:t>that we will need to resolve…</a:t>
-            </a:r>
-          </a:p>
-        </p:txBody>
-      </p:sp>
-      <p:pic>
-        <p:nvPicPr>
-          <p:cNvPr id="5" name="Picture 4">
-            <a:extLst>
-              <a:ext uri="{FF2B5EF4-FFF2-40B4-BE49-F238E27FC236}">
-                <a16:creationId xmlns:a16="http://schemas.microsoft.com/office/drawing/2014/main" id="{BF52DD81-AA08-42A4-9E1C-BABF7B2B0DB6}"/>
-              </a:ext>
-            </a:extLst>
-          </p:cNvPr>
-          <p:cNvPicPr>
-            <a:picLocks noChangeAspect="1"/>
-          </p:cNvPicPr>
-          <p:nvPr/>
-        </p:nvPicPr>
-        <p:blipFill>
-          <a:blip r:embed="rId2"/>
-          <a:stretch>
-            <a:fillRect/>
-          </a:stretch>
-        </p:blipFill>
-        <p:spPr>
-          <a:xfrm>
-            <a:off x="577203" y="930848"/>
-            <a:ext cx="7429950" cy="5336728"/>
-          </a:xfrm>
-          <a:prstGeom prst="rect">
-            <a:avLst/>
-          </a:prstGeom>
-        </p:spPr>
-      </p:pic>
-      <p:cxnSp>
-        <p:nvCxnSpPr>
-          <p:cNvPr id="7" name="Straight Arrow Connector 6">
-            <a:extLst>
-              <a:ext uri="{FF2B5EF4-FFF2-40B4-BE49-F238E27FC236}">
-                <a16:creationId xmlns:a16="http://schemas.microsoft.com/office/drawing/2014/main" id="{A36190F1-EF15-4782-9AD7-7CF2FD4C14AA}"/>
-              </a:ext>
-            </a:extLst>
-          </p:cNvPr>
-          <p:cNvCxnSpPr/>
-          <p:nvPr/>
-        </p:nvCxnSpPr>
-        <p:spPr>
-          <a:xfrm flipH="1">
-            <a:off x="5855793" y="3342707"/>
-            <a:ext cx="3173150" cy="0"/>
-          </a:xfrm>
-          <a:prstGeom prst="straightConnector1">
-            <a:avLst/>
-          </a:prstGeom>
-          <a:ln>
-            <a:tailEnd type="triangle"/>
-          </a:ln>
-        </p:spPr>
-        <p:style>
-          <a:lnRef idx="1">
-            <a:schemeClr val="accent1"/>
-          </a:lnRef>
-          <a:fillRef idx="0">
-            <a:schemeClr val="accent1"/>
-          </a:fillRef>
-          <a:effectRef idx="0">
-            <a:schemeClr val="accent1"/>
-          </a:effectRef>
-          <a:fontRef idx="minor">
-            <a:schemeClr val="tx1"/>
-          </a:fontRef>
-        </p:style>
-      </p:cxnSp>
-      <p:sp>
-        <p:nvSpPr>
-          <p:cNvPr id="8" name="TextBox 7">
-            <a:extLst>
-              <a:ext uri="{FF2B5EF4-FFF2-40B4-BE49-F238E27FC236}">
-                <a16:creationId xmlns:a16="http://schemas.microsoft.com/office/drawing/2014/main" id="{F8B35B05-8B02-42A6-B970-07F125B9913F}"/>
-              </a:ext>
-            </a:extLst>
-          </p:cNvPr>
-          <p:cNvSpPr txBox="1"/>
-          <p:nvPr/>
-        </p:nvSpPr>
-        <p:spPr>
-          <a:xfrm>
-            <a:off x="8932051" y="2961203"/>
-            <a:ext cx="2663614" cy="646331"/>
-          </a:xfrm>
-          <a:prstGeom prst="rect">
-            <a:avLst/>
-          </a:prstGeom>
-          <a:noFill/>
-        </p:spPr>
-        <p:txBody>
-          <a:bodyPr wrap="none" rtlCol="0">
-            <a:spAutoFit/>
-          </a:bodyPr>
-          <a:lstStyle/>
-          <a:p>
-            <a:r>
-              <a:rPr lang="en-US" dirty="0"/>
-              <a:t>Fine.  Stage our change to </a:t>
-            </a:r>
-          </a:p>
-          <a:p>
-            <a:r>
-              <a:rPr lang="en-US" dirty="0"/>
-              <a:t>the local git </a:t>
-            </a:r>
-            <a:r>
-              <a:rPr lang="en-US" dirty="0" err="1"/>
-              <a:t>db</a:t>
-            </a:r>
-            <a:endParaRPr lang="en-US" dirty="0"/>
-          </a:p>
-        </p:txBody>
-      </p:sp>
-      <p:cxnSp>
-        <p:nvCxnSpPr>
-          <p:cNvPr id="9" name="Straight Arrow Connector 8">
-            <a:extLst>
-              <a:ext uri="{FF2B5EF4-FFF2-40B4-BE49-F238E27FC236}">
-                <a16:creationId xmlns:a16="http://schemas.microsoft.com/office/drawing/2014/main" id="{2718DD40-C7CB-4FD6-863A-77282B2F88EB}"/>
-              </a:ext>
-            </a:extLst>
-          </p:cNvPr>
-          <p:cNvCxnSpPr>
-            <a:cxnSpLocks/>
-          </p:cNvCxnSpPr>
-          <p:nvPr/>
-        </p:nvCxnSpPr>
-        <p:spPr>
-          <a:xfrm flipH="1" flipV="1">
-            <a:off x="6789370" y="3803947"/>
-            <a:ext cx="1743011" cy="101934"/>
-          </a:xfrm>
-          <a:prstGeom prst="straightConnector1">
-            <a:avLst/>
-          </a:prstGeom>
-          <a:ln>
-            <a:tailEnd type="triangle"/>
-          </a:ln>
-        </p:spPr>
-        <p:style>
-          <a:lnRef idx="1">
-            <a:schemeClr val="accent1"/>
-          </a:lnRef>
-          <a:fillRef idx="0">
-            <a:schemeClr val="accent1"/>
-          </a:fillRef>
-          <a:effectRef idx="0">
-            <a:schemeClr val="accent1"/>
-          </a:effectRef>
-          <a:fontRef idx="minor">
-            <a:schemeClr val="tx1"/>
-          </a:fontRef>
-        </p:style>
-      </p:cxnSp>
-      <p:sp>
-        <p:nvSpPr>
-          <p:cNvPr id="10" name="TextBox 9">
-            <a:extLst>
-              <a:ext uri="{FF2B5EF4-FFF2-40B4-BE49-F238E27FC236}">
-                <a16:creationId xmlns:a16="http://schemas.microsoft.com/office/drawing/2014/main" id="{8A88ECFB-8520-434F-94BD-4AE821BADE23}"/>
-              </a:ext>
-            </a:extLst>
-          </p:cNvPr>
-          <p:cNvSpPr txBox="1"/>
-          <p:nvPr/>
-        </p:nvSpPr>
-        <p:spPr>
-          <a:xfrm>
-            <a:off x="8642391" y="3628335"/>
-            <a:ext cx="2955296" cy="369332"/>
-          </a:xfrm>
-          <a:prstGeom prst="rect">
-            <a:avLst/>
-          </a:prstGeom>
-          <a:noFill/>
-        </p:spPr>
-        <p:txBody>
-          <a:bodyPr wrap="none" rtlCol="0">
-            <a:spAutoFit/>
-          </a:bodyPr>
-          <a:lstStyle/>
-          <a:p>
-            <a:r>
-              <a:rPr lang="en-US" dirty="0"/>
-              <a:t>Fine.  Commit to our local db.</a:t>
-            </a:r>
-          </a:p>
-        </p:txBody>
-      </p:sp>
-      <p:cxnSp>
-        <p:nvCxnSpPr>
-          <p:cNvPr id="12" name="Straight Arrow Connector 11">
-            <a:extLst>
-              <a:ext uri="{FF2B5EF4-FFF2-40B4-BE49-F238E27FC236}">
-                <a16:creationId xmlns:a16="http://schemas.microsoft.com/office/drawing/2014/main" id="{45820376-AF82-465E-BB99-E69C01A9EB74}"/>
-              </a:ext>
-            </a:extLst>
-          </p:cNvPr>
-          <p:cNvCxnSpPr>
-            <a:cxnSpLocks/>
-          </p:cNvCxnSpPr>
-          <p:nvPr/>
-        </p:nvCxnSpPr>
-        <p:spPr>
-          <a:xfrm flipH="1" flipV="1">
-            <a:off x="5655252" y="4577021"/>
-            <a:ext cx="2987139" cy="91869"/>
-          </a:xfrm>
-          <a:prstGeom prst="straightConnector1">
-            <a:avLst/>
-          </a:prstGeom>
-          <a:ln>
-            <a:tailEnd type="triangle"/>
-          </a:ln>
-        </p:spPr>
-        <p:style>
-          <a:lnRef idx="1">
-            <a:schemeClr val="accent1"/>
-          </a:lnRef>
-          <a:fillRef idx="0">
-            <a:schemeClr val="accent1"/>
-          </a:fillRef>
-          <a:effectRef idx="0">
-            <a:schemeClr val="accent1"/>
-          </a:effectRef>
-          <a:fontRef idx="minor">
-            <a:schemeClr val="tx1"/>
-          </a:fontRef>
-        </p:style>
-      </p:cxnSp>
-      <p:sp>
-        <p:nvSpPr>
-          <p:cNvPr id="13" name="TextBox 12">
-            <a:extLst>
-              <a:ext uri="{FF2B5EF4-FFF2-40B4-BE49-F238E27FC236}">
-                <a16:creationId xmlns:a16="http://schemas.microsoft.com/office/drawing/2014/main" id="{9CC10E8E-477A-487C-B6E2-4C498C3F4CA9}"/>
-              </a:ext>
-            </a:extLst>
-          </p:cNvPr>
-          <p:cNvSpPr txBox="1"/>
-          <p:nvPr/>
-        </p:nvSpPr>
-        <p:spPr>
-          <a:xfrm>
-            <a:off x="8746346" y="4507413"/>
-            <a:ext cx="2924006" cy="923330"/>
-          </a:xfrm>
-          <a:prstGeom prst="rect">
-            <a:avLst/>
-          </a:prstGeom>
-          <a:noFill/>
-        </p:spPr>
-        <p:txBody>
-          <a:bodyPr wrap="none" rtlCol="0">
-            <a:spAutoFit/>
-          </a:bodyPr>
-          <a:lstStyle/>
-          <a:p>
-            <a:r>
-              <a:rPr lang="en-US" dirty="0"/>
-              <a:t>No.  There are changes to the</a:t>
-            </a:r>
-          </a:p>
-          <a:p>
-            <a:r>
-              <a:rPr lang="en-US" dirty="0"/>
-              <a:t>remote database that we will</a:t>
-            </a:r>
-          </a:p>
-          <a:p>
-            <a:r>
-              <a:rPr lang="en-US" dirty="0"/>
-              <a:t>need to resolve..</a:t>
-            </a:r>
-          </a:p>
-        </p:txBody>
-      </p:sp>
-    </p:spTree>
-    <p:extLst>
-      <p:ext uri="{BB962C8B-B14F-4D97-AF65-F5344CB8AC3E}">
-        <p14:creationId xmlns:p14="http://schemas.microsoft.com/office/powerpoint/2010/main" val="1239844119"/>
-      </p:ext>
-    </p:extLst>
-  </p:cSld>
-  <p:clrMapOvr>
-    <a:masterClrMapping/>
-  </p:clrMapOvr>
-</p:sld>
-</file>
-
 <file path=ppt/slides/slide22.xml><?xml version="1.0" encoding="utf-8"?>
 <p:sld xmlns:a="http://schemas.openxmlformats.org/drawingml/2006/main" xmlns:r="http://schemas.openxmlformats.org/officeDocument/2006/relationships" xmlns:p="http://schemas.openxmlformats.org/presentationml/2006/main">
   <p:cSld>
@@ -5851,12 +5643,73 @@
           <a:chExt cx="0" cy="0"/>
         </a:xfrm>
       </p:grpSpPr>
+      <p:sp>
+        <p:nvSpPr>
+          <p:cNvPr id="4" name="TextBox 3">
+            <a:extLst>
+              <a:ext uri="{FF2B5EF4-FFF2-40B4-BE49-F238E27FC236}">
+                <a16:creationId xmlns:a16="http://schemas.microsoft.com/office/drawing/2014/main" id="{484943F7-FED5-4CE6-A19D-3CF6777ABCCD}"/>
+              </a:ext>
+            </a:extLst>
+          </p:cNvPr>
+          <p:cNvSpPr txBox="1"/>
+          <p:nvPr/>
+        </p:nvSpPr>
+        <p:spPr>
+          <a:xfrm>
+            <a:off x="908342" y="-66613"/>
+            <a:ext cx="10754800" cy="646331"/>
+          </a:xfrm>
+          <a:prstGeom prst="rect">
+            <a:avLst/>
+          </a:prstGeom>
+          <a:noFill/>
+        </p:spPr>
+        <p:txBody>
+          <a:bodyPr wrap="square" rtlCol="0">
+            <a:spAutoFit/>
+          </a:bodyPr>
+          <a:lstStyle/>
+          <a:p>
+            <a:r>
+              <a:rPr lang="en-US" dirty="0">
+                <a:latin typeface="Arial" panose="020B0604020202020204" pitchFamily="34" charset="0"/>
+                <a:cs typeface="Arial" panose="020B0604020202020204" pitchFamily="34" charset="0"/>
+              </a:rPr>
+              <a:t>Now if we try and make a local change and commit it to </a:t>
+            </a:r>
+            <a:r>
+              <a:rPr lang="en-US" dirty="0" err="1">
+                <a:latin typeface="Arial" panose="020B0604020202020204" pitchFamily="34" charset="0"/>
+                <a:cs typeface="Arial" panose="020B0604020202020204" pitchFamily="34" charset="0"/>
+              </a:rPr>
+              <a:t>github</a:t>
+            </a:r>
+            <a:r>
+              <a:rPr lang="en-US" dirty="0">
+                <a:latin typeface="Arial" panose="020B0604020202020204" pitchFamily="34" charset="0"/>
+                <a:cs typeface="Arial" panose="020B0604020202020204" pitchFamily="34" charset="0"/>
+              </a:rPr>
+              <a:t> we will have a conflict, </a:t>
+            </a:r>
+          </a:p>
+          <a:p>
+            <a:r>
+              <a:rPr lang="en-US" dirty="0">
+                <a:latin typeface="Arial" panose="020B0604020202020204" pitchFamily="34" charset="0"/>
+                <a:cs typeface="Arial" panose="020B0604020202020204" pitchFamily="34" charset="0"/>
+              </a:rPr>
+              <a:t>that we will need to resolve…</a:t>
+            </a:r>
+          </a:p>
+        </p:txBody>
+      </p:sp>
       <p:pic>
         <p:nvPicPr>
-          <p:cNvPr id="4" name="Picture 3">
-            <a:extLst>
-              <a:ext uri="{FF2B5EF4-FFF2-40B4-BE49-F238E27FC236}">
-                <a16:creationId xmlns:a16="http://schemas.microsoft.com/office/drawing/2014/main" id="{4202DC82-B1B9-4FDC-9598-8206E41D5833}"/>
+          <p:cNvPr id="5" name="Picture 4">
+            <a:extLst>
+              <a:ext uri="{FF2B5EF4-FFF2-40B4-BE49-F238E27FC236}">
+                <a16:creationId xmlns:a16="http://schemas.microsoft.com/office/drawing/2014/main" id="{BF52DD81-AA08-42A4-9E1C-BABF7B2B0DB6}"/>
               </a:ext>
             </a:extLst>
           </p:cNvPr>
@@ -5873,20 +5726,59 @@
         </p:blipFill>
         <p:spPr>
           <a:xfrm>
-            <a:off x="182268" y="952058"/>
-            <a:ext cx="9022289" cy="3092112"/>
+            <a:off x="577203" y="930848"/>
+            <a:ext cx="7429950" cy="5336728"/>
           </a:xfrm>
           <a:prstGeom prst="rect">
             <a:avLst/>
           </a:prstGeom>
         </p:spPr>
       </p:pic>
-      <p:sp>
-        <p:nvSpPr>
-          <p:cNvPr id="5" name="TextBox 4">
-            <a:extLst>
-              <a:ext uri="{FF2B5EF4-FFF2-40B4-BE49-F238E27FC236}">
-                <a16:creationId xmlns:a16="http://schemas.microsoft.com/office/drawing/2014/main" id="{9EC8CE36-690A-4281-956E-6A47CF3C5407}"/>
+      <p:cxnSp>
+        <p:nvCxnSpPr>
+          <p:cNvPr id="7" name="Straight Arrow Connector 6">
+            <a:extLst>
+              <a:ext uri="{FF2B5EF4-FFF2-40B4-BE49-F238E27FC236}">
+                <a16:creationId xmlns:a16="http://schemas.microsoft.com/office/drawing/2014/main" id="{A36190F1-EF15-4782-9AD7-7CF2FD4C14AA}"/>
+              </a:ext>
+            </a:extLst>
+          </p:cNvPr>
+          <p:cNvCxnSpPr/>
+          <p:nvPr/>
+        </p:nvCxnSpPr>
+        <p:spPr>
+          <a:xfrm flipH="1">
+            <a:off x="5855793" y="3342707"/>
+            <a:ext cx="3173150" cy="0"/>
+          </a:xfrm>
+          <a:prstGeom prst="straightConnector1">
+            <a:avLst/>
+          </a:prstGeom>
+          <a:ln>
+            <a:tailEnd type="triangle"/>
+          </a:ln>
+        </p:spPr>
+        <p:style>
+          <a:lnRef idx="1">
+            <a:schemeClr val="accent1"/>
+          </a:lnRef>
+          <a:fillRef idx="0">
+            <a:schemeClr val="accent1"/>
+          </a:fillRef>
+          <a:effectRef idx="0">
+            <a:schemeClr val="accent1"/>
+          </a:effectRef>
+          <a:fontRef idx="minor">
+            <a:schemeClr val="tx1"/>
+          </a:fontRef>
+        </p:style>
+      </p:cxnSp>
+      <p:sp>
+        <p:nvSpPr>
+          <p:cNvPr id="8" name="TextBox 7">
+            <a:extLst>
+              <a:ext uri="{FF2B5EF4-FFF2-40B4-BE49-F238E27FC236}">
+                <a16:creationId xmlns:a16="http://schemas.microsoft.com/office/drawing/2014/main" id="{F8B35B05-8B02-42A6-B970-07F125B9913F}"/>
               </a:ext>
             </a:extLst>
           </p:cNvPr>
@@ -5895,8 +5787,8 @@
         </p:nvSpPr>
         <p:spPr>
           <a:xfrm>
-            <a:off x="617674" y="387560"/>
-            <a:ext cx="10277172" cy="369332"/>
+            <a:off x="8932051" y="2961203"/>
+            <a:ext cx="2663614" cy="646331"/>
           </a:xfrm>
           <a:prstGeom prst="rect">
             <a:avLst/>
@@ -5910,21 +5802,70 @@
           <a:lstStyle/>
           <a:p>
             <a:r>
-              <a:rPr lang="en-US" dirty="0">
-                <a:latin typeface="Arial" panose="020B0604020202020204" pitchFamily="34" charset="0"/>
-                <a:cs typeface="Arial" panose="020B0604020202020204" pitchFamily="34" charset="0"/>
-              </a:rPr>
-              <a:t>git fetch grabs the latest commits from the remote database but does not merge them into our work.</a:t>
-            </a:r>
-          </a:p>
-        </p:txBody>
-      </p:sp>
-      <p:sp>
-        <p:nvSpPr>
-          <p:cNvPr id="6" name="TextBox 5">
-            <a:extLst>
-              <a:ext uri="{FF2B5EF4-FFF2-40B4-BE49-F238E27FC236}">
-                <a16:creationId xmlns:a16="http://schemas.microsoft.com/office/drawing/2014/main" id="{456F9277-807A-40B7-BA25-FBE221107B25}"/>
+              <a:rPr lang="en-US" dirty="0"/>
+              <a:t>Fine.  Stage our change to </a:t>
+            </a:r>
+          </a:p>
+          <a:p>
+            <a:r>
+              <a:rPr lang="en-US" dirty="0"/>
+              <a:t>the local git </a:t>
+            </a:r>
+            <a:r>
+              <a:rPr lang="en-US" dirty="0" err="1"/>
+              <a:t>db</a:t>
+            </a:r>
+            <a:endParaRPr lang="en-US" dirty="0"/>
+          </a:p>
+        </p:txBody>
+      </p:sp>
+      <p:cxnSp>
+        <p:nvCxnSpPr>
+          <p:cNvPr id="9" name="Straight Arrow Connector 8">
+            <a:extLst>
+              <a:ext uri="{FF2B5EF4-FFF2-40B4-BE49-F238E27FC236}">
+                <a16:creationId xmlns:a16="http://schemas.microsoft.com/office/drawing/2014/main" id="{2718DD40-C7CB-4FD6-863A-77282B2F88EB}"/>
+              </a:ext>
+            </a:extLst>
+          </p:cNvPr>
+          <p:cNvCxnSpPr>
+            <a:cxnSpLocks/>
+          </p:cNvCxnSpPr>
+          <p:nvPr/>
+        </p:nvCxnSpPr>
+        <p:spPr>
+          <a:xfrm flipH="1" flipV="1">
+            <a:off x="6789370" y="3803947"/>
+            <a:ext cx="1743011" cy="101934"/>
+          </a:xfrm>
+          <a:prstGeom prst="straightConnector1">
+            <a:avLst/>
+          </a:prstGeom>
+          <a:ln>
+            <a:tailEnd type="triangle"/>
+          </a:ln>
+        </p:spPr>
+        <p:style>
+          <a:lnRef idx="1">
+            <a:schemeClr val="accent1"/>
+          </a:lnRef>
+          <a:fillRef idx="0">
+            <a:schemeClr val="accent1"/>
+          </a:fillRef>
+          <a:effectRef idx="0">
+            <a:schemeClr val="accent1"/>
+          </a:effectRef>
+          <a:fontRef idx="minor">
+            <a:schemeClr val="tx1"/>
+          </a:fontRef>
+        </p:style>
+      </p:cxnSp>
+      <p:sp>
+        <p:nvSpPr>
+          <p:cNvPr id="10" name="TextBox 9">
+            <a:extLst>
+              <a:ext uri="{FF2B5EF4-FFF2-40B4-BE49-F238E27FC236}">
+                <a16:creationId xmlns:a16="http://schemas.microsoft.com/office/drawing/2014/main" id="{8A88ECFB-8520-434F-94BD-4AE821BADE23}"/>
               </a:ext>
             </a:extLst>
           </p:cNvPr>
@@ -5933,8 +5874,8 @@
         </p:nvSpPr>
         <p:spPr>
           <a:xfrm>
-            <a:off x="770074" y="4391328"/>
-            <a:ext cx="7673896" cy="369332"/>
+            <a:off x="8642391" y="3628335"/>
+            <a:ext cx="2955296" cy="369332"/>
           </a:xfrm>
           <a:prstGeom prst="rect">
             <a:avLst/>
@@ -5948,49 +5889,104 @@
           <a:lstStyle/>
           <a:p>
             <a:r>
-              <a:rPr lang="en-US" dirty="0">
-                <a:latin typeface="Arial" panose="020B0604020202020204" pitchFamily="34" charset="0"/>
-                <a:cs typeface="Arial" panose="020B0604020202020204" pitchFamily="34" charset="0"/>
-              </a:rPr>
-              <a:t>git merge here tries to merge, but we will have to deal with the conflict first</a:t>
-            </a:r>
-          </a:p>
-        </p:txBody>
-      </p:sp>
-      <p:pic>
-        <p:nvPicPr>
-          <p:cNvPr id="7" name="Picture 6">
-            <a:extLst>
-              <a:ext uri="{FF2B5EF4-FFF2-40B4-BE49-F238E27FC236}">
-                <a16:creationId xmlns:a16="http://schemas.microsoft.com/office/drawing/2014/main" id="{9DDD12B8-4B1A-47FF-B012-39EF7F447253}"/>
-              </a:ext>
-            </a:extLst>
-          </p:cNvPr>
-          <p:cNvPicPr>
-            <a:picLocks noChangeAspect="1"/>
-          </p:cNvPicPr>
-          <p:nvPr/>
-        </p:nvPicPr>
-        <p:blipFill>
-          <a:blip r:embed="rId3"/>
-          <a:stretch>
-            <a:fillRect/>
-          </a:stretch>
-        </p:blipFill>
-        <p:spPr>
-          <a:xfrm>
-            <a:off x="333060" y="4738791"/>
-            <a:ext cx="9204556" cy="1763915"/>
-          </a:xfrm>
-          <a:prstGeom prst="rect">
-            <a:avLst/>
-          </a:prstGeom>
-        </p:spPr>
-      </p:pic>
+              <a:rPr lang="en-US" dirty="0"/>
+              <a:t>Fine.  Commit to our local db.</a:t>
+            </a:r>
+          </a:p>
+        </p:txBody>
+      </p:sp>
+      <p:cxnSp>
+        <p:nvCxnSpPr>
+          <p:cNvPr id="12" name="Straight Arrow Connector 11">
+            <a:extLst>
+              <a:ext uri="{FF2B5EF4-FFF2-40B4-BE49-F238E27FC236}">
+                <a16:creationId xmlns:a16="http://schemas.microsoft.com/office/drawing/2014/main" id="{45820376-AF82-465E-BB99-E69C01A9EB74}"/>
+              </a:ext>
+            </a:extLst>
+          </p:cNvPr>
+          <p:cNvCxnSpPr>
+            <a:cxnSpLocks/>
+          </p:cNvCxnSpPr>
+          <p:nvPr/>
+        </p:nvCxnSpPr>
+        <p:spPr>
+          <a:xfrm flipH="1" flipV="1">
+            <a:off x="5655252" y="4577021"/>
+            <a:ext cx="2987139" cy="91869"/>
+          </a:xfrm>
+          <a:prstGeom prst="straightConnector1">
+            <a:avLst/>
+          </a:prstGeom>
+          <a:ln>
+            <a:tailEnd type="triangle"/>
+          </a:ln>
+        </p:spPr>
+        <p:style>
+          <a:lnRef idx="1">
+            <a:schemeClr val="accent1"/>
+          </a:lnRef>
+          <a:fillRef idx="0">
+            <a:schemeClr val="accent1"/>
+          </a:fillRef>
+          <a:effectRef idx="0">
+            <a:schemeClr val="accent1"/>
+          </a:effectRef>
+          <a:fontRef idx="minor">
+            <a:schemeClr val="tx1"/>
+          </a:fontRef>
+        </p:style>
+      </p:cxnSp>
+      <p:sp>
+        <p:nvSpPr>
+          <p:cNvPr id="13" name="TextBox 12">
+            <a:extLst>
+              <a:ext uri="{FF2B5EF4-FFF2-40B4-BE49-F238E27FC236}">
+                <a16:creationId xmlns:a16="http://schemas.microsoft.com/office/drawing/2014/main" id="{9CC10E8E-477A-487C-B6E2-4C498C3F4CA9}"/>
+              </a:ext>
+            </a:extLst>
+          </p:cNvPr>
+          <p:cNvSpPr txBox="1"/>
+          <p:nvPr/>
+        </p:nvSpPr>
+        <p:spPr>
+          <a:xfrm>
+            <a:off x="8746346" y="4507413"/>
+            <a:ext cx="2924006" cy="923330"/>
+          </a:xfrm>
+          <a:prstGeom prst="rect">
+            <a:avLst/>
+          </a:prstGeom>
+          <a:noFill/>
+        </p:spPr>
+        <p:txBody>
+          <a:bodyPr wrap="none" rtlCol="0">
+            <a:spAutoFit/>
+          </a:bodyPr>
+          <a:lstStyle/>
+          <a:p>
+            <a:r>
+              <a:rPr lang="en-US" dirty="0"/>
+              <a:t>No.  There are changes to the</a:t>
+            </a:r>
+          </a:p>
+          <a:p>
+            <a:r>
+              <a:rPr lang="en-US" dirty="0"/>
+              <a:t>remote database that we will</a:t>
+            </a:r>
+          </a:p>
+          <a:p>
+            <a:r>
+              <a:rPr lang="en-US" dirty="0"/>
+              <a:t>need to resolve..</a:t>
+            </a:r>
+          </a:p>
+        </p:txBody>
+      </p:sp>
     </p:spTree>
     <p:extLst>
       <p:ext uri="{BB962C8B-B14F-4D97-AF65-F5344CB8AC3E}">
-        <p14:creationId xmlns:p14="http://schemas.microsoft.com/office/powerpoint/2010/main" val="3452147019"/>
+        <p14:creationId xmlns:p14="http://schemas.microsoft.com/office/powerpoint/2010/main" val="1239844119"/>
       </p:ext>
     </p:extLst>
   </p:cSld>
@@ -6022,7 +6018,7 @@
           <p:cNvPr id="4" name="Picture 3">
             <a:extLst>
               <a:ext uri="{FF2B5EF4-FFF2-40B4-BE49-F238E27FC236}">
-                <a16:creationId xmlns:a16="http://schemas.microsoft.com/office/drawing/2014/main" id="{DDEA5531-BA85-44CA-BE99-0104FB9346AB}"/>
+                <a16:creationId xmlns:a16="http://schemas.microsoft.com/office/drawing/2014/main" id="{4202DC82-B1B9-4FDC-9598-8206E41D5833}"/>
               </a:ext>
             </a:extLst>
           </p:cNvPr>
@@ -6039,8 +6035,8 @@
         </p:blipFill>
         <p:spPr>
           <a:xfrm>
-            <a:off x="1144514" y="308773"/>
-            <a:ext cx="7327311" cy="3244030"/>
+            <a:off x="182268" y="952058"/>
+            <a:ext cx="9022289" cy="3092112"/>
           </a:xfrm>
           <a:prstGeom prst="rect">
             <a:avLst/>
@@ -6052,7 +6048,7 @@
           <p:cNvPr id="5" name="TextBox 4">
             <a:extLst>
               <a:ext uri="{FF2B5EF4-FFF2-40B4-BE49-F238E27FC236}">
-                <a16:creationId xmlns:a16="http://schemas.microsoft.com/office/drawing/2014/main" id="{A1F6E735-BB5B-46CD-B6C3-E981C4D5D325}"/>
+                <a16:creationId xmlns:a16="http://schemas.microsoft.com/office/drawing/2014/main" id="{9EC8CE36-690A-4281-956E-6A47CF3C5407}"/>
               </a:ext>
             </a:extLst>
           </p:cNvPr>
@@ -6061,8 +6057,8 @@
         </p:nvSpPr>
         <p:spPr>
           <a:xfrm>
-            <a:off x="1641075" y="-60560"/>
-            <a:ext cx="4301177" cy="369332"/>
+            <a:off x="617674" y="387560"/>
+            <a:ext cx="10277172" cy="369332"/>
           </a:xfrm>
           <a:prstGeom prst="rect">
             <a:avLst/>
@@ -6080,17 +6076,55 @@
                 <a:latin typeface="Arial" panose="020B0604020202020204" pitchFamily="34" charset="0"/>
                 <a:cs typeface="Arial" panose="020B0604020202020204" pitchFamily="34" charset="0"/>
               </a:rPr>
-              <a:t>Git indicates to us where the conflict is…</a:t>
+              <a:t>git fetch grabs the latest commits from the remote database but does not merge them into our work.</a:t>
+            </a:r>
+          </a:p>
+        </p:txBody>
+      </p:sp>
+      <p:sp>
+        <p:nvSpPr>
+          <p:cNvPr id="6" name="TextBox 5">
+            <a:extLst>
+              <a:ext uri="{FF2B5EF4-FFF2-40B4-BE49-F238E27FC236}">
+                <a16:creationId xmlns:a16="http://schemas.microsoft.com/office/drawing/2014/main" id="{456F9277-807A-40B7-BA25-FBE221107B25}"/>
+              </a:ext>
+            </a:extLst>
+          </p:cNvPr>
+          <p:cNvSpPr txBox="1"/>
+          <p:nvPr/>
+        </p:nvSpPr>
+        <p:spPr>
+          <a:xfrm>
+            <a:off x="770074" y="4391328"/>
+            <a:ext cx="7673896" cy="369332"/>
+          </a:xfrm>
+          <a:prstGeom prst="rect">
+            <a:avLst/>
+          </a:prstGeom>
+          <a:noFill/>
+        </p:spPr>
+        <p:txBody>
+          <a:bodyPr wrap="none" rtlCol="0">
+            <a:spAutoFit/>
+          </a:bodyPr>
+          <a:lstStyle/>
+          <a:p>
+            <a:r>
+              <a:rPr lang="en-US" dirty="0">
+                <a:latin typeface="Arial" panose="020B0604020202020204" pitchFamily="34" charset="0"/>
+                <a:cs typeface="Arial" panose="020B0604020202020204" pitchFamily="34" charset="0"/>
+              </a:rPr>
+              <a:t>git merge here tries to merge, but we will have to deal with the conflict first</a:t>
             </a:r>
           </a:p>
         </p:txBody>
       </p:sp>
       <p:pic>
         <p:nvPicPr>
-          <p:cNvPr id="6" name="Picture 5">
-            <a:extLst>
-              <a:ext uri="{FF2B5EF4-FFF2-40B4-BE49-F238E27FC236}">
-                <a16:creationId xmlns:a16="http://schemas.microsoft.com/office/drawing/2014/main" id="{35242EC4-967E-4B95-8926-CD4120B51F61}"/>
+          <p:cNvPr id="7" name="Picture 6">
+            <a:extLst>
+              <a:ext uri="{FF2B5EF4-FFF2-40B4-BE49-F238E27FC236}">
+                <a16:creationId xmlns:a16="http://schemas.microsoft.com/office/drawing/2014/main" id="{9DDD12B8-4B1A-47FF-B012-39EF7F447253}"/>
               </a:ext>
             </a:extLst>
           </p:cNvPr>
@@ -6107,53 +6141,18 @@
         </p:blipFill>
         <p:spPr>
           <a:xfrm>
-            <a:off x="1071847" y="4082692"/>
-            <a:ext cx="7087601" cy="2584555"/>
+            <a:off x="333060" y="4738791"/>
+            <a:ext cx="9204556" cy="1763915"/>
           </a:xfrm>
           <a:prstGeom prst="rect">
             <a:avLst/>
           </a:prstGeom>
         </p:spPr>
       </p:pic>
-      <p:sp>
-        <p:nvSpPr>
-          <p:cNvPr id="7" name="TextBox 6">
-            <a:extLst>
-              <a:ext uri="{FF2B5EF4-FFF2-40B4-BE49-F238E27FC236}">
-                <a16:creationId xmlns:a16="http://schemas.microsoft.com/office/drawing/2014/main" id="{3BE4E859-3B97-4D6D-9E22-215B923BFB7D}"/>
-              </a:ext>
-            </a:extLst>
-          </p:cNvPr>
-          <p:cNvSpPr txBox="1"/>
-          <p:nvPr/>
-        </p:nvSpPr>
-        <p:spPr>
-          <a:xfrm>
-            <a:off x="2567587" y="3772657"/>
-            <a:ext cx="4162230" cy="369332"/>
-          </a:xfrm>
-          <a:prstGeom prst="rect">
-            <a:avLst/>
-          </a:prstGeom>
-          <a:noFill/>
-        </p:spPr>
-        <p:txBody>
-          <a:bodyPr wrap="none" rtlCol="0">
-            <a:spAutoFit/>
-          </a:bodyPr>
-          <a:lstStyle/>
-          <a:p>
-            <a:r>
-              <a:rPr lang="en-US" dirty="0"/>
-              <a:t>We use a text editor to resolve the conflict</a:t>
-            </a:r>
-          </a:p>
-        </p:txBody>
-      </p:sp>
     </p:spTree>
     <p:extLst>
       <p:ext uri="{BB962C8B-B14F-4D97-AF65-F5344CB8AC3E}">
-        <p14:creationId xmlns:p14="http://schemas.microsoft.com/office/powerpoint/2010/main" val="128994408"/>
+        <p14:creationId xmlns:p14="http://schemas.microsoft.com/office/powerpoint/2010/main" val="3452147019"/>
       </p:ext>
     </p:extLst>
   </p:cSld>
@@ -6185,7 +6184,7 @@
           <p:cNvPr id="4" name="Picture 3">
             <a:extLst>
               <a:ext uri="{FF2B5EF4-FFF2-40B4-BE49-F238E27FC236}">
-                <a16:creationId xmlns:a16="http://schemas.microsoft.com/office/drawing/2014/main" id="{D23D21CB-8B08-4DB0-8C55-AC9AC81782A4}"/>
+                <a16:creationId xmlns:a16="http://schemas.microsoft.com/office/drawing/2014/main" id="{DDEA5531-BA85-44CA-BE99-0104FB9346AB}"/>
               </a:ext>
             </a:extLst>
           </p:cNvPr>
@@ -6202,8 +6201,8 @@
         </p:blipFill>
         <p:spPr>
           <a:xfrm>
-            <a:off x="193780" y="1257791"/>
-            <a:ext cx="10624152" cy="5367067"/>
+            <a:off x="1144514" y="308773"/>
+            <a:ext cx="7327311" cy="3244030"/>
           </a:xfrm>
           <a:prstGeom prst="rect">
             <a:avLst/>
@@ -6215,7 +6214,7 @@
           <p:cNvPr id="5" name="TextBox 4">
             <a:extLst>
               <a:ext uri="{FF2B5EF4-FFF2-40B4-BE49-F238E27FC236}">
-                <a16:creationId xmlns:a16="http://schemas.microsoft.com/office/drawing/2014/main" id="{9D729DB3-B4AF-48A6-B0C7-F076317878E0}"/>
+                <a16:creationId xmlns:a16="http://schemas.microsoft.com/office/drawing/2014/main" id="{A1F6E735-BB5B-46CD-B6C3-E981C4D5D325}"/>
               </a:ext>
             </a:extLst>
           </p:cNvPr>
@@ -6224,8 +6223,8 @@
         </p:nvSpPr>
         <p:spPr>
           <a:xfrm>
-            <a:off x="726675" y="405727"/>
-            <a:ext cx="10123284" cy="646331"/>
+            <a:off x="1641075" y="-60560"/>
+            <a:ext cx="4301177" cy="369332"/>
           </a:xfrm>
           <a:prstGeom prst="rect">
             <a:avLst/>
@@ -6243,16 +6242,72 @@
                 <a:latin typeface="Arial" panose="020B0604020202020204" pitchFamily="34" charset="0"/>
                 <a:cs typeface="Arial" panose="020B0604020202020204" pitchFamily="34" charset="0"/>
               </a:rPr>
-              <a:t>With the conflict resolved, we stage (with git add), commit to the local repository (with git commit) </a:t>
-            </a:r>
-          </a:p>
-          <a:p>
-            <a:r>
-              <a:rPr lang="en-US" dirty="0">
-                <a:latin typeface="Arial" panose="020B0604020202020204" pitchFamily="34" charset="0"/>
-                <a:cs typeface="Arial" panose="020B0604020202020204" pitchFamily="34" charset="0"/>
-              </a:rPr>
-              <a:t>and finally push to the remote repository…</a:t>
+              <a:t>Git indicates to us where the conflict is…</a:t>
+            </a:r>
+          </a:p>
+        </p:txBody>
+      </p:sp>
+      <p:pic>
+        <p:nvPicPr>
+          <p:cNvPr id="6" name="Picture 5">
+            <a:extLst>
+              <a:ext uri="{FF2B5EF4-FFF2-40B4-BE49-F238E27FC236}">
+                <a16:creationId xmlns:a16="http://schemas.microsoft.com/office/drawing/2014/main" id="{35242EC4-967E-4B95-8926-CD4120B51F61}"/>
+              </a:ext>
+            </a:extLst>
+          </p:cNvPr>
+          <p:cNvPicPr>
+            <a:picLocks noChangeAspect="1"/>
+          </p:cNvPicPr>
+          <p:nvPr/>
+        </p:nvPicPr>
+        <p:blipFill>
+          <a:blip r:embed="rId3"/>
+          <a:stretch>
+            <a:fillRect/>
+          </a:stretch>
+        </p:blipFill>
+        <p:spPr>
+          <a:xfrm>
+            <a:off x="1071847" y="4082692"/>
+            <a:ext cx="7087601" cy="2584555"/>
+          </a:xfrm>
+          <a:prstGeom prst="rect">
+            <a:avLst/>
+          </a:prstGeom>
+        </p:spPr>
+      </p:pic>
+      <p:sp>
+        <p:nvSpPr>
+          <p:cNvPr id="7" name="TextBox 6">
+            <a:extLst>
+              <a:ext uri="{FF2B5EF4-FFF2-40B4-BE49-F238E27FC236}">
+                <a16:creationId xmlns:a16="http://schemas.microsoft.com/office/drawing/2014/main" id="{3BE4E859-3B97-4D6D-9E22-215B923BFB7D}"/>
+              </a:ext>
+            </a:extLst>
+          </p:cNvPr>
+          <p:cNvSpPr txBox="1"/>
+          <p:nvPr/>
+        </p:nvSpPr>
+        <p:spPr>
+          <a:xfrm>
+            <a:off x="2567587" y="3772657"/>
+            <a:ext cx="4162230" cy="369332"/>
+          </a:xfrm>
+          <a:prstGeom prst="rect">
+            <a:avLst/>
+          </a:prstGeom>
+          <a:noFill/>
+        </p:spPr>
+        <p:txBody>
+          <a:bodyPr wrap="none" rtlCol="0">
+            <a:spAutoFit/>
+          </a:bodyPr>
+          <a:lstStyle/>
+          <a:p>
+            <a:r>
+              <a:rPr lang="en-US" dirty="0"/>
+              <a:t>We use a text editor to resolve the conflict</a:t>
             </a:r>
           </a:p>
         </p:txBody>
@@ -6260,7 +6315,7 @@
     </p:spTree>
     <p:extLst>
       <p:ext uri="{BB962C8B-B14F-4D97-AF65-F5344CB8AC3E}">
-        <p14:creationId xmlns:p14="http://schemas.microsoft.com/office/powerpoint/2010/main" val="3354533758"/>
+        <p14:creationId xmlns:p14="http://schemas.microsoft.com/office/powerpoint/2010/main" val="128994408"/>
       </p:ext>
     </p:extLst>
   </p:cSld>
@@ -6292,7 +6347,7 @@
           <p:cNvPr id="4" name="Picture 3">
             <a:extLst>
               <a:ext uri="{FF2B5EF4-FFF2-40B4-BE49-F238E27FC236}">
-                <a16:creationId xmlns:a16="http://schemas.microsoft.com/office/drawing/2014/main" id="{EF4A4435-8BC1-4BC4-9BB1-6618B121A8C7}"/>
+                <a16:creationId xmlns:a16="http://schemas.microsoft.com/office/drawing/2014/main" id="{D23D21CB-8B08-4DB0-8C55-AC9AC81782A4}"/>
               </a:ext>
             </a:extLst>
           </p:cNvPr>
@@ -6309,8 +6364,8 @@
         </p:blipFill>
         <p:spPr>
           <a:xfrm>
-            <a:off x="119995" y="36333"/>
-            <a:ext cx="8784809" cy="6503746"/>
+            <a:off x="193780" y="1257791"/>
+            <a:ext cx="10624152" cy="5367067"/>
           </a:xfrm>
           <a:prstGeom prst="rect">
             <a:avLst/>
@@ -6322,7 +6377,7 @@
           <p:cNvPr id="5" name="TextBox 4">
             <a:extLst>
               <a:ext uri="{FF2B5EF4-FFF2-40B4-BE49-F238E27FC236}">
-                <a16:creationId xmlns:a16="http://schemas.microsoft.com/office/drawing/2014/main" id="{10B42199-DC88-4AB1-8A66-7149C7E5E5CB}"/>
+                <a16:creationId xmlns:a16="http://schemas.microsoft.com/office/drawing/2014/main" id="{9D729DB3-B4AF-48A6-B0C7-F076317878E0}"/>
               </a:ext>
             </a:extLst>
           </p:cNvPr>
@@ -6331,8 +6386,8 @@
         </p:nvSpPr>
         <p:spPr>
           <a:xfrm>
-            <a:off x="9398336" y="551062"/>
-            <a:ext cx="2543197" cy="923330"/>
+            <a:off x="726675" y="405727"/>
+            <a:ext cx="10123284" cy="646331"/>
           </a:xfrm>
           <a:prstGeom prst="rect">
             <a:avLst/>
@@ -6346,20 +6401,20 @@
           <a:lstStyle/>
           <a:p>
             <a:r>
-              <a:rPr lang="en-US" dirty="0"/>
-              <a:t>Git log shows the </a:t>
-            </a:r>
-          </a:p>
-          <a:p>
-            <a:r>
-              <a:rPr lang="en-US" dirty="0"/>
-              <a:t>entire history of commits</a:t>
-            </a:r>
-          </a:p>
-          <a:p>
-            <a:r>
-              <a:rPr lang="en-US" dirty="0"/>
-              <a:t>(both local and remote)</a:t>
+              <a:rPr lang="en-US" dirty="0">
+                <a:latin typeface="Arial" panose="020B0604020202020204" pitchFamily="34" charset="0"/>
+                <a:cs typeface="Arial" panose="020B0604020202020204" pitchFamily="34" charset="0"/>
+              </a:rPr>
+              <a:t>With the conflict resolved, we stage (with git add), commit to the local repository (with git commit) </a:t>
+            </a:r>
+          </a:p>
+          <a:p>
+            <a:r>
+              <a:rPr lang="en-US" dirty="0">
+                <a:latin typeface="Arial" panose="020B0604020202020204" pitchFamily="34" charset="0"/>
+                <a:cs typeface="Arial" panose="020B0604020202020204" pitchFamily="34" charset="0"/>
+              </a:rPr>
+              <a:t>and finally push to the remote repository…</a:t>
             </a:r>
           </a:p>
         </p:txBody>
@@ -6367,7 +6422,7 @@
     </p:spTree>
     <p:extLst>
       <p:ext uri="{BB962C8B-B14F-4D97-AF65-F5344CB8AC3E}">
-        <p14:creationId xmlns:p14="http://schemas.microsoft.com/office/powerpoint/2010/main" val="2585424307"/>
+        <p14:creationId xmlns:p14="http://schemas.microsoft.com/office/powerpoint/2010/main" val="3354533758"/>
       </p:ext>
     </p:extLst>
   </p:cSld>
@@ -6394,6 +6449,113 @@
           <a:chExt cx="0" cy="0"/>
         </a:xfrm>
       </p:grpSpPr>
+      <p:pic>
+        <p:nvPicPr>
+          <p:cNvPr id="4" name="Picture 3">
+            <a:extLst>
+              <a:ext uri="{FF2B5EF4-FFF2-40B4-BE49-F238E27FC236}">
+                <a16:creationId xmlns:a16="http://schemas.microsoft.com/office/drawing/2014/main" id="{EF4A4435-8BC1-4BC4-9BB1-6618B121A8C7}"/>
+              </a:ext>
+            </a:extLst>
+          </p:cNvPr>
+          <p:cNvPicPr>
+            <a:picLocks noChangeAspect="1"/>
+          </p:cNvPicPr>
+          <p:nvPr/>
+        </p:nvPicPr>
+        <p:blipFill>
+          <a:blip r:embed="rId2"/>
+          <a:stretch>
+            <a:fillRect/>
+          </a:stretch>
+        </p:blipFill>
+        <p:spPr>
+          <a:xfrm>
+            <a:off x="119995" y="36333"/>
+            <a:ext cx="8784809" cy="6503746"/>
+          </a:xfrm>
+          <a:prstGeom prst="rect">
+            <a:avLst/>
+          </a:prstGeom>
+        </p:spPr>
+      </p:pic>
+      <p:sp>
+        <p:nvSpPr>
+          <p:cNvPr id="5" name="TextBox 4">
+            <a:extLst>
+              <a:ext uri="{FF2B5EF4-FFF2-40B4-BE49-F238E27FC236}">
+                <a16:creationId xmlns:a16="http://schemas.microsoft.com/office/drawing/2014/main" id="{10B42199-DC88-4AB1-8A66-7149C7E5E5CB}"/>
+              </a:ext>
+            </a:extLst>
+          </p:cNvPr>
+          <p:cNvSpPr txBox="1"/>
+          <p:nvPr/>
+        </p:nvSpPr>
+        <p:spPr>
+          <a:xfrm>
+            <a:off x="9398336" y="551062"/>
+            <a:ext cx="2543197" cy="923330"/>
+          </a:xfrm>
+          <a:prstGeom prst="rect">
+            <a:avLst/>
+          </a:prstGeom>
+          <a:noFill/>
+        </p:spPr>
+        <p:txBody>
+          <a:bodyPr wrap="none" rtlCol="0">
+            <a:spAutoFit/>
+          </a:bodyPr>
+          <a:lstStyle/>
+          <a:p>
+            <a:r>
+              <a:rPr lang="en-US" dirty="0"/>
+              <a:t>Git log shows the </a:t>
+            </a:r>
+          </a:p>
+          <a:p>
+            <a:r>
+              <a:rPr lang="en-US" dirty="0"/>
+              <a:t>entire history of commits</a:t>
+            </a:r>
+          </a:p>
+          <a:p>
+            <a:r>
+              <a:rPr lang="en-US" dirty="0"/>
+              <a:t>(both local and remote)</a:t>
+            </a:r>
+          </a:p>
+        </p:txBody>
+      </p:sp>
+    </p:spTree>
+    <p:extLst>
+      <p:ext uri="{BB962C8B-B14F-4D97-AF65-F5344CB8AC3E}">
+        <p14:creationId xmlns:p14="http://schemas.microsoft.com/office/powerpoint/2010/main" val="2585424307"/>
+      </p:ext>
+    </p:extLst>
+  </p:cSld>
+  <p:clrMapOvr>
+    <a:masterClrMapping/>
+  </p:clrMapOvr>
+</p:sld>
+</file>
+
+<file path=ppt/slides/slide27.xml><?xml version="1.0" encoding="utf-8"?>
+<p:sld xmlns:a="http://schemas.openxmlformats.org/drawingml/2006/main" xmlns:r="http://schemas.openxmlformats.org/officeDocument/2006/relationships" xmlns:p="http://schemas.openxmlformats.org/presentationml/2006/main">
+  <p:cSld>
+    <p:spTree>
+      <p:nvGrpSpPr>
+        <p:cNvPr id="1" name=""/>
+        <p:cNvGrpSpPr/>
+        <p:nvPr/>
+      </p:nvGrpSpPr>
+      <p:grpSpPr>
+        <a:xfrm>
+          <a:off x="0" y="0"/>
+          <a:ext cx="0" cy="0"/>
+          <a:chOff x="0" y="0"/>
+          <a:chExt cx="0" cy="0"/>
+        </a:xfrm>
+      </p:grpSpPr>
       <p:sp>
         <p:nvSpPr>
           <p:cNvPr id="4" name="TextBox 3">
@@ -6613,7 +6775,7 @@
 </p:sld>
 </file>
 
-<file path=ppt/slides/slide27.xml><?xml version="1.0" encoding="utf-8"?>
+<file path=ppt/slides/slide28.xml><?xml version="1.0" encoding="utf-8"?>
 <p:sld xmlns:a="http://schemas.openxmlformats.org/drawingml/2006/main" xmlns:r="http://schemas.openxmlformats.org/officeDocument/2006/relationships" xmlns:p="http://schemas.openxmlformats.org/presentationml/2006/main">
   <p:cSld>
     <p:spTree>
